--- a/docs/Subelements/makeFigs_Subelements.pptx
+++ b/docs/Subelements/makeFigs_Subelements.pptx
@@ -6,6 +6,8 @@
   </p:sldMasterIdLst>
   <p:sldIdLst>
     <p:sldId id="314" r:id="rId2"/>
+    <p:sldId id="315" r:id="rId3"/>
+    <p:sldId id="316" r:id="rId4"/>
   </p:sldIdLst>
   <p:sldSz cx="12192000" cy="6858000"/>
   <p:notesSz cx="6858000" cy="9144000"/>
@@ -104,6 +106,25 @@
       </a:defRPr>
     </a:lvl9pPr>
   </p:defaultTextStyle>
+  <p:extLst>
+    <p:ext uri="{521415D9-36F7-43E2-AB2F-B90AF26B5E84}">
+      <p14:sectionLst xmlns:p14="http://schemas.microsoft.com/office/powerpoint/2010/main">
+        <p14:section name="CombustionEfficiency00" id="{3BE67895-9948-4596-944B-0D9663418643}">
+          <p14:sldIdLst>
+            <p14:sldId id="314"/>
+            <p14:sldId id="315"/>
+            <p14:sldId id="316"/>
+          </p14:sldIdLst>
+        </p14:section>
+        <p14:section name="タイトルなしのセクション" id="{680834AE-E6DB-499A-9779-16A855911BD6}">
+          <p14:sldIdLst/>
+        </p14:section>
+      </p14:sectionLst>
+    </p:ext>
+    <p:ext uri="{EFAFB233-063F-42B5-8137-9DF3F51BA10A}">
+      <p15:sldGuideLst xmlns:p15="http://schemas.microsoft.com/office/powerpoint/2012/main"/>
+    </p:ext>
+  </p:extLst>
 </p:presentation>
 </file>
 
@@ -254,7 +275,7 @@
           <a:p>
             <a:fld id="{DD5A0238-0A85-4162-B3E6-8AA8ED3042E7}" type="datetimeFigureOut">
               <a:rPr kumimoji="1" lang="ja-JP" altLang="en-US" smtClean="0"/>
-              <a:t>2021/2/2</a:t>
+              <a:t>2021/7/19</a:t>
             </a:fld>
             <a:endParaRPr kumimoji="1" lang="ja-JP" altLang="en-US"/>
           </a:p>
@@ -484,7 +505,7 @@
           <a:p>
             <a:fld id="{DD5A0238-0A85-4162-B3E6-8AA8ED3042E7}" type="datetimeFigureOut">
               <a:rPr kumimoji="1" lang="ja-JP" altLang="en-US" smtClean="0"/>
-              <a:t>2021/2/2</a:t>
+              <a:t>2021/7/19</a:t>
             </a:fld>
             <a:endParaRPr kumimoji="1" lang="ja-JP" altLang="en-US"/>
           </a:p>
@@ -724,7 +745,7 @@
           <a:p>
             <a:fld id="{DD5A0238-0A85-4162-B3E6-8AA8ED3042E7}" type="datetimeFigureOut">
               <a:rPr kumimoji="1" lang="ja-JP" altLang="en-US" smtClean="0"/>
-              <a:t>2021/2/2</a:t>
+              <a:t>2021/7/19</a:t>
             </a:fld>
             <a:endParaRPr kumimoji="1" lang="ja-JP" altLang="en-US"/>
           </a:p>
@@ -1044,7 +1065,7 @@
           <a:p>
             <a:fld id="{DD5A0238-0A85-4162-B3E6-8AA8ED3042E7}" type="datetimeFigureOut">
               <a:rPr kumimoji="1" lang="ja-JP" altLang="en-US" smtClean="0"/>
-              <a:t>2021/2/2</a:t>
+              <a:t>2021/7/19</a:t>
             </a:fld>
             <a:endParaRPr kumimoji="1" lang="ja-JP" altLang="en-US"/>
           </a:p>
@@ -1319,7 +1340,7 @@
           <a:p>
             <a:fld id="{DD5A0238-0A85-4162-B3E6-8AA8ED3042E7}" type="datetimeFigureOut">
               <a:rPr kumimoji="1" lang="ja-JP" altLang="en-US" smtClean="0"/>
-              <a:t>2021/2/2</a:t>
+              <a:t>2021/7/19</a:t>
             </a:fld>
             <a:endParaRPr kumimoji="1" lang="ja-JP" altLang="en-US"/>
           </a:p>
@@ -1648,7 +1669,7 @@
           <a:p>
             <a:fld id="{DD5A0238-0A85-4162-B3E6-8AA8ED3042E7}" type="datetimeFigureOut">
               <a:rPr kumimoji="1" lang="ja-JP" altLang="en-US" smtClean="0"/>
-              <a:t>2021/2/2</a:t>
+              <a:t>2021/7/19</a:t>
             </a:fld>
             <a:endParaRPr kumimoji="1" lang="ja-JP" altLang="en-US"/>
           </a:p>
@@ -2124,7 +2145,7 @@
           <a:p>
             <a:fld id="{DD5A0238-0A85-4162-B3E6-8AA8ED3042E7}" type="datetimeFigureOut">
               <a:rPr kumimoji="1" lang="ja-JP" altLang="en-US" smtClean="0"/>
-              <a:t>2021/2/2</a:t>
+              <a:t>2021/7/19</a:t>
             </a:fld>
             <a:endParaRPr kumimoji="1" lang="ja-JP" altLang="en-US"/>
           </a:p>
@@ -2265,7 +2286,7 @@
           <a:p>
             <a:fld id="{DD5A0238-0A85-4162-B3E6-8AA8ED3042E7}" type="datetimeFigureOut">
               <a:rPr kumimoji="1" lang="ja-JP" altLang="en-US" smtClean="0"/>
-              <a:t>2021/2/2</a:t>
+              <a:t>2021/7/19</a:t>
             </a:fld>
             <a:endParaRPr kumimoji="1" lang="ja-JP" altLang="en-US"/>
           </a:p>
@@ -2378,7 +2399,7 @@
           <a:p>
             <a:fld id="{DD5A0238-0A85-4162-B3E6-8AA8ED3042E7}" type="datetimeFigureOut">
               <a:rPr kumimoji="1" lang="ja-JP" altLang="en-US" smtClean="0"/>
-              <a:t>2021/2/2</a:t>
+              <a:t>2021/7/19</a:t>
             </a:fld>
             <a:endParaRPr kumimoji="1" lang="ja-JP" altLang="en-US"/>
           </a:p>
@@ -2721,7 +2742,7 @@
           <a:p>
             <a:fld id="{DD5A0238-0A85-4162-B3E6-8AA8ED3042E7}" type="datetimeFigureOut">
               <a:rPr kumimoji="1" lang="ja-JP" altLang="en-US" smtClean="0"/>
-              <a:t>2021/2/2</a:t>
+              <a:t>2021/7/19</a:t>
             </a:fld>
             <a:endParaRPr kumimoji="1" lang="ja-JP" altLang="en-US"/>
           </a:p>
@@ -3009,7 +3030,7 @@
           <a:p>
             <a:fld id="{DD5A0238-0A85-4162-B3E6-8AA8ED3042E7}" type="datetimeFigureOut">
               <a:rPr kumimoji="1" lang="ja-JP" altLang="en-US" smtClean="0"/>
-              <a:t>2021/2/2</a:t>
+              <a:t>2021/7/19</a:t>
             </a:fld>
             <a:endParaRPr kumimoji="1" lang="ja-JP" altLang="en-US"/>
           </a:p>
@@ -3282,7 +3303,7 @@
           <a:p>
             <a:fld id="{DD5A0238-0A85-4162-B3E6-8AA8ED3042E7}" type="datetimeFigureOut">
               <a:rPr kumimoji="1" lang="ja-JP" altLang="en-US" smtClean="0"/>
-              <a:t>2021/2/2</a:t>
+              <a:t>2021/7/19</a:t>
             </a:fld>
             <a:endParaRPr kumimoji="1" lang="ja-JP" altLang="en-US"/>
           </a:p>
@@ -3700,7 +3721,793 @@
           <a:chExt cx="0" cy="0"/>
         </a:xfrm>
       </p:grpSpPr>
+      <p:pic>
+        <p:nvPicPr>
+          <p:cNvPr id="3" name="図 2">
+            <a:extLst>
+              <a:ext uri="{FF2B5EF4-FFF2-40B4-BE49-F238E27FC236}">
+                <a16:creationId xmlns:a16="http://schemas.microsoft.com/office/drawing/2014/main" id="{A1EDC39E-BDBA-45CA-AECC-34EA72530CDA}"/>
+              </a:ext>
+            </a:extLst>
+          </p:cNvPr>
+          <p:cNvPicPr>
+            <a:picLocks noChangeAspect="1"/>
+          </p:cNvPicPr>
+          <p:nvPr/>
+        </p:nvPicPr>
+        <p:blipFill>
+          <a:blip r:embed="rId2"/>
+          <a:stretch>
+            <a:fillRect/>
+          </a:stretch>
+        </p:blipFill>
+        <p:spPr>
+          <a:xfrm>
+            <a:off x="3896476" y="1493420"/>
+            <a:ext cx="4399048" cy="3871161"/>
+          </a:xfrm>
+          <a:prstGeom prst="rect">
+            <a:avLst/>
+          </a:prstGeom>
+        </p:spPr>
+      </p:pic>
     </p:spTree>
+  </p:cSld>
+  <p:clrMapOvr>
+    <a:masterClrMapping/>
+  </p:clrMapOvr>
+</p:sld>
+</file>
+
+<file path=ppt/slides/slide2.xml><?xml version="1.0" encoding="utf-8"?>
+<p:sld xmlns:a="http://schemas.openxmlformats.org/drawingml/2006/main" xmlns:r="http://schemas.openxmlformats.org/officeDocument/2006/relationships" xmlns:p="http://schemas.openxmlformats.org/presentationml/2006/main">
+  <p:cSld>
+    <p:spTree>
+      <p:nvGrpSpPr>
+        <p:cNvPr id="1" name=""/>
+        <p:cNvGrpSpPr/>
+        <p:nvPr/>
+      </p:nvGrpSpPr>
+      <p:grpSpPr>
+        <a:xfrm>
+          <a:off x="0" y="0"/>
+          <a:ext cx="0" cy="0"/>
+          <a:chOff x="0" y="0"/>
+          <a:chExt cx="0" cy="0"/>
+        </a:xfrm>
+      </p:grpSpPr>
+      <p:pic>
+        <p:nvPicPr>
+          <p:cNvPr id="4" name="図 3">
+            <a:extLst>
+              <a:ext uri="{FF2B5EF4-FFF2-40B4-BE49-F238E27FC236}">
+                <a16:creationId xmlns:a16="http://schemas.microsoft.com/office/drawing/2014/main" id="{DF9F1E7D-2973-4843-A1B1-5A343700B72A}"/>
+              </a:ext>
+            </a:extLst>
+          </p:cNvPr>
+          <p:cNvPicPr>
+            <a:picLocks noChangeAspect="1"/>
+          </p:cNvPicPr>
+          <p:nvPr/>
+        </p:nvPicPr>
+        <p:blipFill>
+          <a:blip r:embed="rId2"/>
+          <a:stretch>
+            <a:fillRect/>
+          </a:stretch>
+        </p:blipFill>
+        <p:spPr>
+          <a:xfrm>
+            <a:off x="3896476" y="1493420"/>
+            <a:ext cx="4399048" cy="3871161"/>
+          </a:xfrm>
+          <a:prstGeom prst="rect">
+            <a:avLst/>
+          </a:prstGeom>
+        </p:spPr>
+      </p:pic>
+      <p:cxnSp>
+        <p:nvCxnSpPr>
+          <p:cNvPr id="5" name="直線矢印コネクタ 4">
+            <a:extLst>
+              <a:ext uri="{FF2B5EF4-FFF2-40B4-BE49-F238E27FC236}">
+                <a16:creationId xmlns:a16="http://schemas.microsoft.com/office/drawing/2014/main" id="{7BE1BDA1-E960-4779-8820-7D926AFF24E7}"/>
+              </a:ext>
+            </a:extLst>
+          </p:cNvPr>
+          <p:cNvCxnSpPr>
+            <a:cxnSpLocks/>
+            <a:stCxn id="6" idx="3"/>
+          </p:cNvCxnSpPr>
+          <p:nvPr/>
+        </p:nvCxnSpPr>
+        <p:spPr>
+          <a:xfrm>
+            <a:off x="6823391" y="987789"/>
+            <a:ext cx="340734" cy="777401"/>
+          </a:xfrm>
+          <a:prstGeom prst="straightConnector1">
+            <a:avLst/>
+          </a:prstGeom>
+          <a:ln w="12700">
+            <a:solidFill>
+              <a:schemeClr val="tx1"/>
+            </a:solidFill>
+            <a:tailEnd type="oval" w="sm" len="sm"/>
+          </a:ln>
+        </p:spPr>
+        <p:style>
+          <a:lnRef idx="1">
+            <a:schemeClr val="accent1"/>
+          </a:lnRef>
+          <a:fillRef idx="0">
+            <a:schemeClr val="accent1"/>
+          </a:fillRef>
+          <a:effectRef idx="0">
+            <a:schemeClr val="accent1"/>
+          </a:effectRef>
+          <a:fontRef idx="minor">
+            <a:schemeClr val="tx1"/>
+          </a:fontRef>
+        </p:style>
+      </p:cxnSp>
+      <p:sp>
+        <p:nvSpPr>
+          <p:cNvPr id="6" name="テキスト ボックス 5">
+            <a:extLst>
+              <a:ext uri="{FF2B5EF4-FFF2-40B4-BE49-F238E27FC236}">
+                <a16:creationId xmlns:a16="http://schemas.microsoft.com/office/drawing/2014/main" id="{EADBCBAC-128E-42DE-9418-DA016DA4ACF2}"/>
+              </a:ext>
+            </a:extLst>
+          </p:cNvPr>
+          <p:cNvSpPr txBox="1"/>
+          <p:nvPr/>
+        </p:nvSpPr>
+        <p:spPr>
+          <a:xfrm>
+            <a:off x="5032372" y="641248"/>
+            <a:ext cx="1791019" cy="693082"/>
+          </a:xfrm>
+          <a:prstGeom prst="rect">
+            <a:avLst/>
+          </a:prstGeom>
+          <a:solidFill>
+            <a:srgbClr val="92D050">
+              <a:alpha val="40000"/>
+            </a:srgbClr>
+          </a:solidFill>
+          <a:ln>
+            <a:solidFill>
+              <a:schemeClr val="tx1"/>
+            </a:solidFill>
+          </a:ln>
+        </p:spPr>
+        <p:txBody>
+          <a:bodyPr wrap="square" rtlCol="0">
+            <a:noAutofit/>
+          </a:bodyPr>
+          <a:lstStyle/>
+          <a:p>
+            <a:r>
+              <a:rPr lang="en-US" altLang="ja-JP" sz="726" dirty="0">
+                <a:latin typeface="Arial" panose="020B0604020202020204" pitchFamily="34" charset="0"/>
+                <a:cs typeface="Arial" panose="020B0604020202020204" pitchFamily="34" charset="0"/>
+              </a:rPr>
+              <a:t>Expandable connector prepared for communication with internal variables which cannot be accessed by other connectors, </a:t>
+            </a:r>
+          </a:p>
+          <a:p>
+            <a:r>
+              <a:rPr lang="en-US" altLang="ja-JP" sz="726" dirty="0" err="1">
+                <a:latin typeface="Arial" panose="020B0604020202020204" pitchFamily="34" charset="0"/>
+                <a:cs typeface="Arial" panose="020B0604020202020204" pitchFamily="34" charset="0"/>
+              </a:rPr>
+              <a:t>input&amp;output</a:t>
+            </a:r>
+            <a:r>
+              <a:rPr lang="en-US" altLang="ja-JP" sz="726" dirty="0">
+                <a:latin typeface="Arial" panose="020B0604020202020204" pitchFamily="34" charset="0"/>
+                <a:cs typeface="Arial" panose="020B0604020202020204" pitchFamily="34" charset="0"/>
+              </a:rPr>
+              <a:t>  (use “connect” operator)</a:t>
+            </a:r>
+            <a:endParaRPr lang="ja-JP" altLang="en-US" sz="726" dirty="0">
+              <a:latin typeface="Arial" panose="020B0604020202020204" pitchFamily="34" charset="0"/>
+              <a:cs typeface="Arial" panose="020B0604020202020204" pitchFamily="34" charset="0"/>
+            </a:endParaRPr>
+          </a:p>
+        </p:txBody>
+      </p:sp>
+      <p:sp>
+        <p:nvSpPr>
+          <p:cNvPr id="7" name="テキスト ボックス 6">
+            <a:extLst>
+              <a:ext uri="{FF2B5EF4-FFF2-40B4-BE49-F238E27FC236}">
+                <a16:creationId xmlns:a16="http://schemas.microsoft.com/office/drawing/2014/main" id="{B70D8A70-92FA-495F-B38E-90E7A60542FF}"/>
+              </a:ext>
+            </a:extLst>
+          </p:cNvPr>
+          <p:cNvSpPr txBox="1"/>
+          <p:nvPr/>
+        </p:nvSpPr>
+        <p:spPr>
+          <a:xfrm>
+            <a:off x="2226364" y="2610113"/>
+            <a:ext cx="1144989" cy="310101"/>
+          </a:xfrm>
+          <a:prstGeom prst="rect">
+            <a:avLst/>
+          </a:prstGeom>
+          <a:solidFill>
+            <a:srgbClr val="00B0F0">
+              <a:alpha val="40000"/>
+            </a:srgbClr>
+          </a:solidFill>
+          <a:ln>
+            <a:solidFill>
+              <a:schemeClr val="tx1"/>
+            </a:solidFill>
+          </a:ln>
+        </p:spPr>
+        <p:txBody>
+          <a:bodyPr wrap="square" rtlCol="0">
+            <a:noAutofit/>
+          </a:bodyPr>
+          <a:lstStyle/>
+          <a:p>
+            <a:r>
+              <a:rPr lang="en-US" altLang="ja-JP" sz="726" dirty="0">
+                <a:latin typeface="Arial" panose="020B0604020202020204" pitchFamily="34" charset="0"/>
+                <a:cs typeface="Arial" panose="020B0604020202020204" pitchFamily="34" charset="0"/>
+              </a:rPr>
+              <a:t>Mass fraction of air; input</a:t>
+            </a:r>
+            <a:endParaRPr lang="ja-JP" altLang="en-US" sz="726" dirty="0">
+              <a:latin typeface="Arial" panose="020B0604020202020204" pitchFamily="34" charset="0"/>
+              <a:cs typeface="Arial" panose="020B0604020202020204" pitchFamily="34" charset="0"/>
+            </a:endParaRPr>
+          </a:p>
+        </p:txBody>
+      </p:sp>
+      <p:sp>
+        <p:nvSpPr>
+          <p:cNvPr id="8" name="テキスト ボックス 7">
+            <a:extLst>
+              <a:ext uri="{FF2B5EF4-FFF2-40B4-BE49-F238E27FC236}">
+                <a16:creationId xmlns:a16="http://schemas.microsoft.com/office/drawing/2014/main" id="{FD0B99DB-A43B-4EEF-ABF8-3FAF3522DA98}"/>
+              </a:ext>
+            </a:extLst>
+          </p:cNvPr>
+          <p:cNvSpPr txBox="1"/>
+          <p:nvPr/>
+        </p:nvSpPr>
+        <p:spPr>
+          <a:xfrm>
+            <a:off x="2297927" y="4000409"/>
+            <a:ext cx="1073427" cy="314640"/>
+          </a:xfrm>
+          <a:prstGeom prst="rect">
+            <a:avLst/>
+          </a:prstGeom>
+          <a:solidFill>
+            <a:srgbClr val="00B0F0">
+              <a:alpha val="40000"/>
+            </a:srgbClr>
+          </a:solidFill>
+          <a:ln>
+            <a:solidFill>
+              <a:schemeClr val="tx1"/>
+            </a:solidFill>
+          </a:ln>
+        </p:spPr>
+        <p:txBody>
+          <a:bodyPr wrap="square" rtlCol="0">
+            <a:noAutofit/>
+          </a:bodyPr>
+          <a:lstStyle/>
+          <a:p>
+            <a:r>
+              <a:rPr lang="en-US" altLang="ja-JP" sz="726" dirty="0">
+                <a:latin typeface="Arial" panose="020B0604020202020204" pitchFamily="34" charset="0"/>
+                <a:cs typeface="Arial" panose="020B0604020202020204" pitchFamily="34" charset="0"/>
+              </a:rPr>
+              <a:t>Mass fraction of fuel; input</a:t>
+            </a:r>
+            <a:endParaRPr lang="ja-JP" altLang="en-US" sz="726" dirty="0">
+              <a:latin typeface="Arial" panose="020B0604020202020204" pitchFamily="34" charset="0"/>
+              <a:cs typeface="Arial" panose="020B0604020202020204" pitchFamily="34" charset="0"/>
+            </a:endParaRPr>
+          </a:p>
+        </p:txBody>
+      </p:sp>
+      <p:cxnSp>
+        <p:nvCxnSpPr>
+          <p:cNvPr id="9" name="直線矢印コネクタ 8">
+            <a:extLst>
+              <a:ext uri="{FF2B5EF4-FFF2-40B4-BE49-F238E27FC236}">
+                <a16:creationId xmlns:a16="http://schemas.microsoft.com/office/drawing/2014/main" id="{1AF85A29-70A2-4300-AF16-71D5DC2DBEB5}"/>
+              </a:ext>
+            </a:extLst>
+          </p:cNvPr>
+          <p:cNvCxnSpPr>
+            <a:cxnSpLocks/>
+            <a:stCxn id="8" idx="3"/>
+          </p:cNvCxnSpPr>
+          <p:nvPr/>
+        </p:nvCxnSpPr>
+        <p:spPr>
+          <a:xfrm>
+            <a:off x="3371354" y="4157729"/>
+            <a:ext cx="744342" cy="454027"/>
+          </a:xfrm>
+          <a:prstGeom prst="straightConnector1">
+            <a:avLst/>
+          </a:prstGeom>
+          <a:ln w="12700">
+            <a:solidFill>
+              <a:schemeClr val="tx1"/>
+            </a:solidFill>
+            <a:tailEnd type="oval" w="sm" len="sm"/>
+          </a:ln>
+        </p:spPr>
+        <p:style>
+          <a:lnRef idx="1">
+            <a:schemeClr val="accent1"/>
+          </a:lnRef>
+          <a:fillRef idx="0">
+            <a:schemeClr val="accent1"/>
+          </a:fillRef>
+          <a:effectRef idx="0">
+            <a:schemeClr val="accent1"/>
+          </a:effectRef>
+          <a:fontRef idx="minor">
+            <a:schemeClr val="tx1"/>
+          </a:fontRef>
+        </p:style>
+      </p:cxnSp>
+      <p:cxnSp>
+        <p:nvCxnSpPr>
+          <p:cNvPr id="12" name="直線矢印コネクタ 11">
+            <a:extLst>
+              <a:ext uri="{FF2B5EF4-FFF2-40B4-BE49-F238E27FC236}">
+                <a16:creationId xmlns:a16="http://schemas.microsoft.com/office/drawing/2014/main" id="{4C80F2E9-0162-42E6-B67E-95B4DB5B0992}"/>
+              </a:ext>
+            </a:extLst>
+          </p:cNvPr>
+          <p:cNvCxnSpPr>
+            <a:cxnSpLocks/>
+            <a:stCxn id="7" idx="3"/>
+          </p:cNvCxnSpPr>
+          <p:nvPr/>
+        </p:nvCxnSpPr>
+        <p:spPr>
+          <a:xfrm flipV="1">
+            <a:off x="3371353" y="2449002"/>
+            <a:ext cx="744343" cy="316162"/>
+          </a:xfrm>
+          <a:prstGeom prst="straightConnector1">
+            <a:avLst/>
+          </a:prstGeom>
+          <a:ln w="12700">
+            <a:solidFill>
+              <a:schemeClr val="tx1"/>
+            </a:solidFill>
+            <a:tailEnd type="oval" w="sm" len="sm"/>
+          </a:ln>
+        </p:spPr>
+        <p:style>
+          <a:lnRef idx="1">
+            <a:schemeClr val="accent1"/>
+          </a:lnRef>
+          <a:fillRef idx="0">
+            <a:schemeClr val="accent1"/>
+          </a:fillRef>
+          <a:effectRef idx="0">
+            <a:schemeClr val="accent1"/>
+          </a:effectRef>
+          <a:fontRef idx="minor">
+            <a:schemeClr val="tx1"/>
+          </a:fontRef>
+        </p:style>
+      </p:cxnSp>
+      <p:sp>
+        <p:nvSpPr>
+          <p:cNvPr id="17" name="テキスト ボックス 16">
+            <a:extLst>
+              <a:ext uri="{FF2B5EF4-FFF2-40B4-BE49-F238E27FC236}">
+                <a16:creationId xmlns:a16="http://schemas.microsoft.com/office/drawing/2014/main" id="{D4F65C91-571D-426D-87BB-5BE049A1D1BF}"/>
+              </a:ext>
+            </a:extLst>
+          </p:cNvPr>
+          <p:cNvSpPr txBox="1"/>
+          <p:nvPr/>
+        </p:nvSpPr>
+        <p:spPr>
+          <a:xfrm>
+            <a:off x="8345883" y="2610113"/>
+            <a:ext cx="1619753" cy="248187"/>
+          </a:xfrm>
+          <a:prstGeom prst="rect">
+            <a:avLst/>
+          </a:prstGeom>
+          <a:solidFill>
+            <a:srgbClr val="FFFF00">
+              <a:alpha val="40000"/>
+            </a:srgbClr>
+          </a:solidFill>
+          <a:ln>
+            <a:solidFill>
+              <a:schemeClr val="tx1"/>
+            </a:solidFill>
+          </a:ln>
+        </p:spPr>
+        <p:txBody>
+          <a:bodyPr wrap="square" rtlCol="0">
+            <a:noAutofit/>
+          </a:bodyPr>
+          <a:lstStyle/>
+          <a:p>
+            <a:r>
+              <a:rPr lang="en-US" altLang="ja-JP" sz="726" dirty="0">
+                <a:latin typeface="Arial" panose="020B0604020202020204" pitchFamily="34" charset="0"/>
+                <a:cs typeface="Arial" panose="020B0604020202020204" pitchFamily="34" charset="0"/>
+              </a:rPr>
+              <a:t>Combustion efficiency; output</a:t>
+            </a:r>
+          </a:p>
+        </p:txBody>
+      </p:sp>
+      <p:cxnSp>
+        <p:nvCxnSpPr>
+          <p:cNvPr id="18" name="直線矢印コネクタ 17">
+            <a:extLst>
+              <a:ext uri="{FF2B5EF4-FFF2-40B4-BE49-F238E27FC236}">
+                <a16:creationId xmlns:a16="http://schemas.microsoft.com/office/drawing/2014/main" id="{87F763A5-03C0-4F53-A015-81B918DDF48E}"/>
+              </a:ext>
+            </a:extLst>
+          </p:cNvPr>
+          <p:cNvCxnSpPr>
+            <a:cxnSpLocks/>
+            <a:stCxn id="17" idx="1"/>
+          </p:cNvCxnSpPr>
+          <p:nvPr/>
+        </p:nvCxnSpPr>
+        <p:spPr>
+          <a:xfrm flipH="1" flipV="1">
+            <a:off x="7967207" y="2449002"/>
+            <a:ext cx="378676" cy="285205"/>
+          </a:xfrm>
+          <a:prstGeom prst="straightConnector1">
+            <a:avLst/>
+          </a:prstGeom>
+          <a:ln w="12700">
+            <a:solidFill>
+              <a:schemeClr val="tx1"/>
+            </a:solidFill>
+            <a:tailEnd type="oval" w="sm" len="sm"/>
+          </a:ln>
+        </p:spPr>
+        <p:style>
+          <a:lnRef idx="1">
+            <a:schemeClr val="accent1"/>
+          </a:lnRef>
+          <a:fillRef idx="0">
+            <a:schemeClr val="accent1"/>
+          </a:fillRef>
+          <a:effectRef idx="0">
+            <a:schemeClr val="accent1"/>
+          </a:effectRef>
+          <a:fontRef idx="minor">
+            <a:schemeClr val="tx1"/>
+          </a:fontRef>
+        </p:style>
+      </p:cxnSp>
+      <p:sp>
+        <p:nvSpPr>
+          <p:cNvPr id="22" name="テキスト ボックス 21">
+            <a:extLst>
+              <a:ext uri="{FF2B5EF4-FFF2-40B4-BE49-F238E27FC236}">
+                <a16:creationId xmlns:a16="http://schemas.microsoft.com/office/drawing/2014/main" id="{3F1A7350-C54D-4354-9C65-65D46CC06E5F}"/>
+              </a:ext>
+            </a:extLst>
+          </p:cNvPr>
+          <p:cNvSpPr txBox="1"/>
+          <p:nvPr/>
+        </p:nvSpPr>
+        <p:spPr>
+          <a:xfrm>
+            <a:off x="8345882" y="3565695"/>
+            <a:ext cx="1619753" cy="248187"/>
+          </a:xfrm>
+          <a:prstGeom prst="rect">
+            <a:avLst/>
+          </a:prstGeom>
+          <a:solidFill>
+            <a:srgbClr val="FFFF00">
+              <a:alpha val="40000"/>
+            </a:srgbClr>
+          </a:solidFill>
+          <a:ln>
+            <a:solidFill>
+              <a:schemeClr val="tx1"/>
+            </a:solidFill>
+          </a:ln>
+        </p:spPr>
+        <p:txBody>
+          <a:bodyPr wrap="square" rtlCol="0">
+            <a:noAutofit/>
+          </a:bodyPr>
+          <a:lstStyle/>
+          <a:p>
+            <a:r>
+              <a:rPr lang="en-US" altLang="ja-JP" sz="726" dirty="0">
+                <a:latin typeface="Arial" panose="020B0604020202020204" pitchFamily="34" charset="0"/>
+                <a:cs typeface="Arial" panose="020B0604020202020204" pitchFamily="34" charset="0"/>
+              </a:rPr>
+              <a:t>Air-fuel ratio; output</a:t>
+            </a:r>
+          </a:p>
+        </p:txBody>
+      </p:sp>
+      <p:sp>
+        <p:nvSpPr>
+          <p:cNvPr id="23" name="テキスト ボックス 22">
+            <a:extLst>
+              <a:ext uri="{FF2B5EF4-FFF2-40B4-BE49-F238E27FC236}">
+                <a16:creationId xmlns:a16="http://schemas.microsoft.com/office/drawing/2014/main" id="{D83763A2-9275-4D2B-ACEA-0557309DBF85}"/>
+              </a:ext>
+            </a:extLst>
+          </p:cNvPr>
+          <p:cNvSpPr txBox="1"/>
+          <p:nvPr/>
+        </p:nvSpPr>
+        <p:spPr>
+          <a:xfrm>
+            <a:off x="8345882" y="4553277"/>
+            <a:ext cx="1619753" cy="248187"/>
+          </a:xfrm>
+          <a:prstGeom prst="rect">
+            <a:avLst/>
+          </a:prstGeom>
+          <a:solidFill>
+            <a:srgbClr val="FFFF00">
+              <a:alpha val="40000"/>
+            </a:srgbClr>
+          </a:solidFill>
+          <a:ln>
+            <a:solidFill>
+              <a:schemeClr val="tx1"/>
+            </a:solidFill>
+          </a:ln>
+        </p:spPr>
+        <p:txBody>
+          <a:bodyPr wrap="square" rtlCol="0">
+            <a:noAutofit/>
+          </a:bodyPr>
+          <a:lstStyle/>
+          <a:p>
+            <a:r>
+              <a:rPr lang="en-US" altLang="ja-JP" sz="726" dirty="0">
+                <a:latin typeface="Arial" panose="020B0604020202020204" pitchFamily="34" charset="0"/>
+                <a:cs typeface="Arial" panose="020B0604020202020204" pitchFamily="34" charset="0"/>
+              </a:rPr>
+              <a:t>Equivalence air-fuel ratio; output</a:t>
+            </a:r>
+          </a:p>
+        </p:txBody>
+      </p:sp>
+      <p:cxnSp>
+        <p:nvCxnSpPr>
+          <p:cNvPr id="24" name="直線矢印コネクタ 23">
+            <a:extLst>
+              <a:ext uri="{FF2B5EF4-FFF2-40B4-BE49-F238E27FC236}">
+                <a16:creationId xmlns:a16="http://schemas.microsoft.com/office/drawing/2014/main" id="{B356AE5B-A2FE-4385-B6DA-C6B86B042166}"/>
+              </a:ext>
+            </a:extLst>
+          </p:cNvPr>
+          <p:cNvCxnSpPr>
+            <a:cxnSpLocks/>
+            <a:stCxn id="22" idx="1"/>
+          </p:cNvCxnSpPr>
+          <p:nvPr/>
+        </p:nvCxnSpPr>
+        <p:spPr>
+          <a:xfrm flipH="1">
+            <a:off x="7988074" y="3689789"/>
+            <a:ext cx="357808" cy="546284"/>
+          </a:xfrm>
+          <a:prstGeom prst="straightConnector1">
+            <a:avLst/>
+          </a:prstGeom>
+          <a:ln w="12700">
+            <a:solidFill>
+              <a:schemeClr val="tx1"/>
+            </a:solidFill>
+            <a:tailEnd type="oval" w="sm" len="sm"/>
+          </a:ln>
+        </p:spPr>
+        <p:style>
+          <a:lnRef idx="1">
+            <a:schemeClr val="accent1"/>
+          </a:lnRef>
+          <a:fillRef idx="0">
+            <a:schemeClr val="accent1"/>
+          </a:fillRef>
+          <a:effectRef idx="0">
+            <a:schemeClr val="accent1"/>
+          </a:effectRef>
+          <a:fontRef idx="minor">
+            <a:schemeClr val="tx1"/>
+          </a:fontRef>
+        </p:style>
+      </p:cxnSp>
+      <p:cxnSp>
+        <p:nvCxnSpPr>
+          <p:cNvPr id="26" name="直線矢印コネクタ 25">
+            <a:extLst>
+              <a:ext uri="{FF2B5EF4-FFF2-40B4-BE49-F238E27FC236}">
+                <a16:creationId xmlns:a16="http://schemas.microsoft.com/office/drawing/2014/main" id="{91801288-E0D4-45CD-B648-FC2919BADD83}"/>
+              </a:ext>
+            </a:extLst>
+          </p:cNvPr>
+          <p:cNvCxnSpPr>
+            <a:cxnSpLocks/>
+            <a:stCxn id="23" idx="1"/>
+          </p:cNvCxnSpPr>
+          <p:nvPr/>
+        </p:nvCxnSpPr>
+        <p:spPr>
+          <a:xfrm flipH="1">
+            <a:off x="7967207" y="4677371"/>
+            <a:ext cx="378675" cy="212681"/>
+          </a:xfrm>
+          <a:prstGeom prst="straightConnector1">
+            <a:avLst/>
+          </a:prstGeom>
+          <a:ln w="12700">
+            <a:solidFill>
+              <a:schemeClr val="tx1"/>
+            </a:solidFill>
+            <a:tailEnd type="oval" w="sm" len="sm"/>
+          </a:ln>
+        </p:spPr>
+        <p:style>
+          <a:lnRef idx="1">
+            <a:schemeClr val="accent1"/>
+          </a:lnRef>
+          <a:fillRef idx="0">
+            <a:schemeClr val="accent1"/>
+          </a:fillRef>
+          <a:effectRef idx="0">
+            <a:schemeClr val="accent1"/>
+          </a:effectRef>
+          <a:fontRef idx="minor">
+            <a:schemeClr val="tx1"/>
+          </a:fontRef>
+        </p:style>
+      </p:cxnSp>
+    </p:spTree>
+    <p:extLst>
+      <p:ext uri="{BB962C8B-B14F-4D97-AF65-F5344CB8AC3E}">
+        <p14:creationId xmlns:p14="http://schemas.microsoft.com/office/powerpoint/2010/main" val="2475844465"/>
+      </p:ext>
+    </p:extLst>
+  </p:cSld>
+  <p:clrMapOvr>
+    <a:masterClrMapping/>
+  </p:clrMapOvr>
+</p:sld>
+</file>
+
+<file path=ppt/slides/slide3.xml><?xml version="1.0" encoding="utf-8"?>
+<p:sld xmlns:a="http://schemas.openxmlformats.org/drawingml/2006/main" xmlns:r="http://schemas.openxmlformats.org/officeDocument/2006/relationships" xmlns:p="http://schemas.openxmlformats.org/presentationml/2006/main">
+  <p:cSld>
+    <p:spTree>
+      <p:nvGrpSpPr>
+        <p:cNvPr id="1" name=""/>
+        <p:cNvGrpSpPr/>
+        <p:nvPr/>
+      </p:nvGrpSpPr>
+      <p:grpSpPr>
+        <a:xfrm>
+          <a:off x="0" y="0"/>
+          <a:ext cx="0" cy="0"/>
+          <a:chOff x="0" y="0"/>
+          <a:chExt cx="0" cy="0"/>
+        </a:xfrm>
+      </p:grpSpPr>
+      <p:pic>
+        <p:nvPicPr>
+          <p:cNvPr id="3" name="図 2">
+            <a:extLst>
+              <a:ext uri="{FF2B5EF4-FFF2-40B4-BE49-F238E27FC236}">
+                <a16:creationId xmlns:a16="http://schemas.microsoft.com/office/drawing/2014/main" id="{931031FB-856C-4273-9A64-A5DE11BF155A}"/>
+              </a:ext>
+            </a:extLst>
+          </p:cNvPr>
+          <p:cNvPicPr>
+            <a:picLocks noChangeAspect="1"/>
+          </p:cNvPicPr>
+          <p:nvPr/>
+        </p:nvPicPr>
+        <p:blipFill>
+          <a:blip r:embed="rId2"/>
+          <a:stretch>
+            <a:fillRect/>
+          </a:stretch>
+        </p:blipFill>
+        <p:spPr>
+          <a:xfrm>
+            <a:off x="2568398" y="978282"/>
+            <a:ext cx="7055204" cy="4901434"/>
+          </a:xfrm>
+          <a:prstGeom prst="rect">
+            <a:avLst/>
+          </a:prstGeom>
+        </p:spPr>
+      </p:pic>
+      <p:sp>
+        <p:nvSpPr>
+          <p:cNvPr id="4" name="テキスト ボックス 3">
+            <a:extLst>
+              <a:ext uri="{FF2B5EF4-FFF2-40B4-BE49-F238E27FC236}">
+                <a16:creationId xmlns:a16="http://schemas.microsoft.com/office/drawing/2014/main" id="{BDEFDFBC-5F0C-4A0B-9E24-3CC97E1A2DA9}"/>
+              </a:ext>
+            </a:extLst>
+          </p:cNvPr>
+          <p:cNvSpPr txBox="1"/>
+          <p:nvPr/>
+        </p:nvSpPr>
+        <p:spPr>
+          <a:xfrm>
+            <a:off x="5112689" y="2838616"/>
+            <a:ext cx="1813702" cy="478404"/>
+          </a:xfrm>
+          <a:prstGeom prst="rect">
+            <a:avLst/>
+          </a:prstGeom>
+          <a:solidFill>
+            <a:srgbClr val="92D050">
+              <a:alpha val="40000"/>
+            </a:srgbClr>
+          </a:solidFill>
+          <a:ln>
+            <a:solidFill>
+              <a:schemeClr val="tx1"/>
+            </a:solidFill>
+          </a:ln>
+        </p:spPr>
+        <p:txBody>
+          <a:bodyPr wrap="square" rtlCol="0">
+            <a:noAutofit/>
+          </a:bodyPr>
+          <a:lstStyle/>
+          <a:p>
+            <a:r>
+              <a:rPr lang="en-US" altLang="ja-JP" sz="726" dirty="0">
+                <a:latin typeface="Arial" panose="020B0604020202020204" pitchFamily="34" charset="0"/>
+                <a:cs typeface="Arial" panose="020B0604020202020204" pitchFamily="34" charset="0"/>
+              </a:rPr>
+              <a:t>No internal component.</a:t>
+            </a:r>
+          </a:p>
+          <a:p>
+            <a:r>
+              <a:rPr lang="en-US" altLang="ja-JP" sz="726" dirty="0">
+                <a:latin typeface="Arial" panose="020B0604020202020204" pitchFamily="34" charset="0"/>
+                <a:cs typeface="Arial" panose="020B0604020202020204" pitchFamily="34" charset="0"/>
+              </a:rPr>
+              <a:t>This component is made of internal variables and equations/algorithms</a:t>
+            </a:r>
+          </a:p>
+        </p:txBody>
+      </p:sp>
+    </p:spTree>
+    <p:extLst>
+      <p:ext uri="{BB962C8B-B14F-4D97-AF65-F5344CB8AC3E}">
+        <p14:creationId xmlns:p14="http://schemas.microsoft.com/office/powerpoint/2010/main" val="4018578492"/>
+      </p:ext>
+    </p:extLst>
   </p:cSld>
   <p:clrMapOvr>
     <a:masterClrMapping/>
